--- a/lesson-react-10-intro/react-intro.pptx
+++ b/lesson-react-10-intro/react-intro.pptx
@@ -2116,7 +2116,7 @@
           <a:noFill/>
           <a:extLst>
             <a:ext uri="{909E8E84-426E-40dd-AFC4-6F175D3DCCD1}">
-              <a14:hiddenFill xmlns="" xmlns:a14="http://schemas.microsoft.com/office/drawing/2010/main">
+              <a14:hiddenFill xmlns:a14="http://schemas.microsoft.com/office/drawing/2010/main" xmlns="">
                 <a:solidFill>
                   <a:srgbClr val="FFFFFF"/>
                 </a:solidFill>
@@ -10568,11 +10568,7 @@
             <a:pPr eaLnBrk="1" hangingPunct="1"/>
             <a:r>
               <a:rPr lang="en-US" sz="3600" dirty="0" smtClean="0"/>
-              <a:t>Advanced React </a:t>
-            </a:r>
-            <a:r>
-              <a:rPr lang="en-US" sz="3600" dirty="0" smtClean="0"/>
-              <a:t>Introduction</a:t>
+              <a:t>Advanced React Introduction</a:t>
             </a:r>
           </a:p>
         </p:txBody>
@@ -10648,12 +10644,12 @@
               <a:t>Using </a:t>
             </a:r>
             <a:r>
-              <a:rPr lang="en-US" dirty="0" err="1" smtClean="0"/>
-              <a:t>Asynchrounous</a:t>
-            </a:r>
-            <a:r>
-              <a:rPr lang="en-US" dirty="0" smtClean="0"/>
-              <a:t> calls with Components</a:t>
+              <a:rPr lang="en-US" dirty="0" smtClean="0"/>
+              <a:t>Asynchronous </a:t>
+            </a:r>
+            <a:r>
+              <a:rPr lang="en-US" dirty="0" smtClean="0"/>
+              <a:t>calls with Components</a:t>
             </a:r>
           </a:p>
           <a:p>
@@ -10687,11 +10683,7 @@
             </a:r>
             <a:r>
               <a:rPr lang="en-US" dirty="0" smtClean="0"/>
-              <a:t>View Components</a:t>
-            </a:r>
-            <a:r>
-              <a:rPr lang="en-US" dirty="0" smtClean="0"/>
-              <a:t>  -- Manage the View (duh)</a:t>
+              <a:t>View Components  -- Manage the View (duh)</a:t>
             </a:r>
           </a:p>
           <a:p>
